--- a/src/document/220513-스토리보드.pptx
+++ b/src/document/220513-스토리보드.pptx
@@ -10,11 +10,12 @@
     <p:sldId id="259" r:id="rId4"/>
     <p:sldId id="260" r:id="rId5"/>
     <p:sldId id="261" r:id="rId6"/>
-    <p:sldId id="262" r:id="rId7"/>
-    <p:sldId id="263" r:id="rId8"/>
-    <p:sldId id="264" r:id="rId9"/>
-    <p:sldId id="265" r:id="rId10"/>
-    <p:sldId id="266" r:id="rId11"/>
+    <p:sldId id="267" r:id="rId7"/>
+    <p:sldId id="262" r:id="rId8"/>
+    <p:sldId id="263" r:id="rId9"/>
+    <p:sldId id="264" r:id="rId10"/>
+    <p:sldId id="265" r:id="rId11"/>
+    <p:sldId id="266" r:id="rId12"/>
   </p:sldIdLst>
   <p:sldSz cx="12192000" cy="6858000"/>
   <p:notesSz cx="6858000" cy="9144000"/>
@@ -114,6 +115,11 @@
       </a:defRPr>
     </a:lvl9pPr>
   </p:defaultTextStyle>
+  <p:extLst>
+    <p:ext uri="{EFAFB233-063F-42B5-8137-9DF3F51BA10A}">
+      <p15:sldGuideLst xmlns:p15="http://schemas.microsoft.com/office/powerpoint/2012/main"/>
+    </p:ext>
+  </p:extLst>
 </p:presentation>
 </file>
 
@@ -139,7 +145,7 @@
           <p:cNvPr id="2" name="제목 1">
             <a:extLst>
               <a:ext uri="{FF2B5EF4-FFF2-40B4-BE49-F238E27FC236}">
-                <a16:creationId xmlns:a16="http://schemas.microsoft.com/office/drawing/2014/main" id="{61B693E0-9D85-D5D5-5D83-8FF2EF3F11DD}"/>
+                <a16:creationId xmlns:a16="http://schemas.microsoft.com/office/drawing/2014/main" xmlns="" id="{61B693E0-9D85-D5D5-5D83-8FF2EF3F11DD}"/>
               </a:ext>
             </a:extLst>
           </p:cNvPr>
@@ -176,7 +182,7 @@
           <p:cNvPr id="3" name="부제목 2">
             <a:extLst>
               <a:ext uri="{FF2B5EF4-FFF2-40B4-BE49-F238E27FC236}">
-                <a16:creationId xmlns:a16="http://schemas.microsoft.com/office/drawing/2014/main" id="{E11EC18B-46F6-DCC6-0E04-665E17B4BB59}"/>
+                <a16:creationId xmlns:a16="http://schemas.microsoft.com/office/drawing/2014/main" xmlns="" id="{E11EC18B-46F6-DCC6-0E04-665E17B4BB59}"/>
               </a:ext>
             </a:extLst>
           </p:cNvPr>
@@ -246,7 +252,7 @@
           <p:cNvPr id="4" name="날짜 개체 틀 3">
             <a:extLst>
               <a:ext uri="{FF2B5EF4-FFF2-40B4-BE49-F238E27FC236}">
-                <a16:creationId xmlns:a16="http://schemas.microsoft.com/office/drawing/2014/main" id="{E711949F-9B48-CEB2-0F57-4B4C674EEB26}"/>
+                <a16:creationId xmlns:a16="http://schemas.microsoft.com/office/drawing/2014/main" xmlns="" id="{E711949F-9B48-CEB2-0F57-4B4C674EEB26}"/>
               </a:ext>
             </a:extLst>
           </p:cNvPr>
@@ -264,7 +270,7 @@
           <a:p>
             <a:fld id="{8D1E83FF-0317-4EF8-8246-52A9F6254019}" type="datetimeFigureOut">
               <a:rPr lang="ko-KR" altLang="en-US" smtClean="0"/>
-              <a:t>2022-05-13</a:t>
+              <a:t>2022-05-18</a:t>
             </a:fld>
             <a:endParaRPr lang="ko-KR" altLang="en-US"/>
           </a:p>
@@ -275,7 +281,7 @@
           <p:cNvPr id="5" name="바닥글 개체 틀 4">
             <a:extLst>
               <a:ext uri="{FF2B5EF4-FFF2-40B4-BE49-F238E27FC236}">
-                <a16:creationId xmlns:a16="http://schemas.microsoft.com/office/drawing/2014/main" id="{F6C76B21-719A-BF22-36E9-8EDE343A2C6F}"/>
+                <a16:creationId xmlns:a16="http://schemas.microsoft.com/office/drawing/2014/main" xmlns="" id="{F6C76B21-719A-BF22-36E9-8EDE343A2C6F}"/>
               </a:ext>
             </a:extLst>
           </p:cNvPr>
@@ -300,7 +306,7 @@
           <p:cNvPr id="6" name="슬라이드 번호 개체 틀 5">
             <a:extLst>
               <a:ext uri="{FF2B5EF4-FFF2-40B4-BE49-F238E27FC236}">
-                <a16:creationId xmlns:a16="http://schemas.microsoft.com/office/drawing/2014/main" id="{631502A5-1A6D-50A4-00AA-0630F54B4084}"/>
+                <a16:creationId xmlns:a16="http://schemas.microsoft.com/office/drawing/2014/main" xmlns="" id="{631502A5-1A6D-50A4-00AA-0630F54B4084}"/>
               </a:ext>
             </a:extLst>
           </p:cNvPr>
@@ -359,7 +365,7 @@
           <p:cNvPr id="2" name="제목 1">
             <a:extLst>
               <a:ext uri="{FF2B5EF4-FFF2-40B4-BE49-F238E27FC236}">
-                <a16:creationId xmlns:a16="http://schemas.microsoft.com/office/drawing/2014/main" id="{EF9268CF-033A-931F-75D7-466C2A52289D}"/>
+                <a16:creationId xmlns:a16="http://schemas.microsoft.com/office/drawing/2014/main" xmlns="" id="{EF9268CF-033A-931F-75D7-466C2A52289D}"/>
               </a:ext>
             </a:extLst>
           </p:cNvPr>
@@ -387,7 +393,7 @@
           <p:cNvPr id="3" name="세로 텍스트 개체 틀 2">
             <a:extLst>
               <a:ext uri="{FF2B5EF4-FFF2-40B4-BE49-F238E27FC236}">
-                <a16:creationId xmlns:a16="http://schemas.microsoft.com/office/drawing/2014/main" id="{D925CC1A-785B-9E54-C247-695A23DA73D9}"/>
+                <a16:creationId xmlns:a16="http://schemas.microsoft.com/office/drawing/2014/main" xmlns="" id="{D925CC1A-785B-9E54-C247-695A23DA73D9}"/>
               </a:ext>
             </a:extLst>
           </p:cNvPr>
@@ -444,7 +450,7 @@
           <p:cNvPr id="4" name="날짜 개체 틀 3">
             <a:extLst>
               <a:ext uri="{FF2B5EF4-FFF2-40B4-BE49-F238E27FC236}">
-                <a16:creationId xmlns:a16="http://schemas.microsoft.com/office/drawing/2014/main" id="{E4D9BB2D-9DA1-35B3-BAE6-80EE0F6F22D4}"/>
+                <a16:creationId xmlns:a16="http://schemas.microsoft.com/office/drawing/2014/main" xmlns="" id="{E4D9BB2D-9DA1-35B3-BAE6-80EE0F6F22D4}"/>
               </a:ext>
             </a:extLst>
           </p:cNvPr>
@@ -462,7 +468,7 @@
           <a:p>
             <a:fld id="{8D1E83FF-0317-4EF8-8246-52A9F6254019}" type="datetimeFigureOut">
               <a:rPr lang="ko-KR" altLang="en-US" smtClean="0"/>
-              <a:t>2022-05-13</a:t>
+              <a:t>2022-05-18</a:t>
             </a:fld>
             <a:endParaRPr lang="ko-KR" altLang="en-US"/>
           </a:p>
@@ -473,7 +479,7 @@
           <p:cNvPr id="5" name="바닥글 개체 틀 4">
             <a:extLst>
               <a:ext uri="{FF2B5EF4-FFF2-40B4-BE49-F238E27FC236}">
-                <a16:creationId xmlns:a16="http://schemas.microsoft.com/office/drawing/2014/main" id="{C82D32AD-EAA8-AC60-6D3A-7C5A7262FC5A}"/>
+                <a16:creationId xmlns:a16="http://schemas.microsoft.com/office/drawing/2014/main" xmlns="" id="{C82D32AD-EAA8-AC60-6D3A-7C5A7262FC5A}"/>
               </a:ext>
             </a:extLst>
           </p:cNvPr>
@@ -498,7 +504,7 @@
           <p:cNvPr id="6" name="슬라이드 번호 개체 틀 5">
             <a:extLst>
               <a:ext uri="{FF2B5EF4-FFF2-40B4-BE49-F238E27FC236}">
-                <a16:creationId xmlns:a16="http://schemas.microsoft.com/office/drawing/2014/main" id="{EC3C28CE-9523-E98E-DBD5-B6FEF4B62C54}"/>
+                <a16:creationId xmlns:a16="http://schemas.microsoft.com/office/drawing/2014/main" xmlns="" id="{EC3C28CE-9523-E98E-DBD5-B6FEF4B62C54}"/>
               </a:ext>
             </a:extLst>
           </p:cNvPr>
@@ -557,7 +563,7 @@
           <p:cNvPr id="2" name="세로 제목 1">
             <a:extLst>
               <a:ext uri="{FF2B5EF4-FFF2-40B4-BE49-F238E27FC236}">
-                <a16:creationId xmlns:a16="http://schemas.microsoft.com/office/drawing/2014/main" id="{88D80370-6EC6-76D9-220D-00D97117D014}"/>
+                <a16:creationId xmlns:a16="http://schemas.microsoft.com/office/drawing/2014/main" xmlns="" id="{88D80370-6EC6-76D9-220D-00D97117D014}"/>
               </a:ext>
             </a:extLst>
           </p:cNvPr>
@@ -590,7 +596,7 @@
           <p:cNvPr id="3" name="세로 텍스트 개체 틀 2">
             <a:extLst>
               <a:ext uri="{FF2B5EF4-FFF2-40B4-BE49-F238E27FC236}">
-                <a16:creationId xmlns:a16="http://schemas.microsoft.com/office/drawing/2014/main" id="{56BA7FBA-4326-84BE-0610-C3170074EE77}"/>
+                <a16:creationId xmlns:a16="http://schemas.microsoft.com/office/drawing/2014/main" xmlns="" id="{56BA7FBA-4326-84BE-0610-C3170074EE77}"/>
               </a:ext>
             </a:extLst>
           </p:cNvPr>
@@ -652,7 +658,7 @@
           <p:cNvPr id="4" name="날짜 개체 틀 3">
             <a:extLst>
               <a:ext uri="{FF2B5EF4-FFF2-40B4-BE49-F238E27FC236}">
-                <a16:creationId xmlns:a16="http://schemas.microsoft.com/office/drawing/2014/main" id="{57222C1F-E8E5-123C-D5CF-5023B9B776B7}"/>
+                <a16:creationId xmlns:a16="http://schemas.microsoft.com/office/drawing/2014/main" xmlns="" id="{57222C1F-E8E5-123C-D5CF-5023B9B776B7}"/>
               </a:ext>
             </a:extLst>
           </p:cNvPr>
@@ -670,7 +676,7 @@
           <a:p>
             <a:fld id="{8D1E83FF-0317-4EF8-8246-52A9F6254019}" type="datetimeFigureOut">
               <a:rPr lang="ko-KR" altLang="en-US" smtClean="0"/>
-              <a:t>2022-05-13</a:t>
+              <a:t>2022-05-18</a:t>
             </a:fld>
             <a:endParaRPr lang="ko-KR" altLang="en-US"/>
           </a:p>
@@ -681,7 +687,7 @@
           <p:cNvPr id="5" name="바닥글 개체 틀 4">
             <a:extLst>
               <a:ext uri="{FF2B5EF4-FFF2-40B4-BE49-F238E27FC236}">
-                <a16:creationId xmlns:a16="http://schemas.microsoft.com/office/drawing/2014/main" id="{C4CBD6BA-ABDF-67F6-2A3A-18A903B8C381}"/>
+                <a16:creationId xmlns:a16="http://schemas.microsoft.com/office/drawing/2014/main" xmlns="" id="{C4CBD6BA-ABDF-67F6-2A3A-18A903B8C381}"/>
               </a:ext>
             </a:extLst>
           </p:cNvPr>
@@ -706,7 +712,7 @@
           <p:cNvPr id="6" name="슬라이드 번호 개체 틀 5">
             <a:extLst>
               <a:ext uri="{FF2B5EF4-FFF2-40B4-BE49-F238E27FC236}">
-                <a16:creationId xmlns:a16="http://schemas.microsoft.com/office/drawing/2014/main" id="{2C592FC8-6974-EEC9-BC34-A3D9CB36592D}"/>
+                <a16:creationId xmlns:a16="http://schemas.microsoft.com/office/drawing/2014/main" xmlns="" id="{2C592FC8-6974-EEC9-BC34-A3D9CB36592D}"/>
               </a:ext>
             </a:extLst>
           </p:cNvPr>
@@ -765,7 +771,7 @@
           <p:cNvPr id="2" name="제목 1">
             <a:extLst>
               <a:ext uri="{FF2B5EF4-FFF2-40B4-BE49-F238E27FC236}">
-                <a16:creationId xmlns:a16="http://schemas.microsoft.com/office/drawing/2014/main" id="{7F61E147-A3A6-2157-8E44-29E713E2DF1E}"/>
+                <a16:creationId xmlns:a16="http://schemas.microsoft.com/office/drawing/2014/main" xmlns="" id="{7F61E147-A3A6-2157-8E44-29E713E2DF1E}"/>
               </a:ext>
             </a:extLst>
           </p:cNvPr>
@@ -793,7 +799,7 @@
           <p:cNvPr id="3" name="내용 개체 틀 2">
             <a:extLst>
               <a:ext uri="{FF2B5EF4-FFF2-40B4-BE49-F238E27FC236}">
-                <a16:creationId xmlns:a16="http://schemas.microsoft.com/office/drawing/2014/main" id="{20EE26D5-F7DC-B85A-01C6-84CC7165CE8E}"/>
+                <a16:creationId xmlns:a16="http://schemas.microsoft.com/office/drawing/2014/main" xmlns="" id="{20EE26D5-F7DC-B85A-01C6-84CC7165CE8E}"/>
               </a:ext>
             </a:extLst>
           </p:cNvPr>
@@ -850,7 +856,7 @@
           <p:cNvPr id="4" name="날짜 개체 틀 3">
             <a:extLst>
               <a:ext uri="{FF2B5EF4-FFF2-40B4-BE49-F238E27FC236}">
-                <a16:creationId xmlns:a16="http://schemas.microsoft.com/office/drawing/2014/main" id="{757EA607-B620-2CF7-932B-71A487341CFF}"/>
+                <a16:creationId xmlns:a16="http://schemas.microsoft.com/office/drawing/2014/main" xmlns="" id="{757EA607-B620-2CF7-932B-71A487341CFF}"/>
               </a:ext>
             </a:extLst>
           </p:cNvPr>
@@ -868,7 +874,7 @@
           <a:p>
             <a:fld id="{8D1E83FF-0317-4EF8-8246-52A9F6254019}" type="datetimeFigureOut">
               <a:rPr lang="ko-KR" altLang="en-US" smtClean="0"/>
-              <a:t>2022-05-13</a:t>
+              <a:t>2022-05-18</a:t>
             </a:fld>
             <a:endParaRPr lang="ko-KR" altLang="en-US"/>
           </a:p>
@@ -879,7 +885,7 @@
           <p:cNvPr id="5" name="바닥글 개체 틀 4">
             <a:extLst>
               <a:ext uri="{FF2B5EF4-FFF2-40B4-BE49-F238E27FC236}">
-                <a16:creationId xmlns:a16="http://schemas.microsoft.com/office/drawing/2014/main" id="{12A336DE-1841-7DB0-9874-505F88154939}"/>
+                <a16:creationId xmlns:a16="http://schemas.microsoft.com/office/drawing/2014/main" xmlns="" id="{12A336DE-1841-7DB0-9874-505F88154939}"/>
               </a:ext>
             </a:extLst>
           </p:cNvPr>
@@ -904,7 +910,7 @@
           <p:cNvPr id="6" name="슬라이드 번호 개체 틀 5">
             <a:extLst>
               <a:ext uri="{FF2B5EF4-FFF2-40B4-BE49-F238E27FC236}">
-                <a16:creationId xmlns:a16="http://schemas.microsoft.com/office/drawing/2014/main" id="{968D9A16-8C0F-5C4C-9D04-4FE1D4789A67}"/>
+                <a16:creationId xmlns:a16="http://schemas.microsoft.com/office/drawing/2014/main" xmlns="" id="{968D9A16-8C0F-5C4C-9D04-4FE1D4789A67}"/>
               </a:ext>
             </a:extLst>
           </p:cNvPr>
@@ -963,7 +969,7 @@
           <p:cNvPr id="2" name="제목 1">
             <a:extLst>
               <a:ext uri="{FF2B5EF4-FFF2-40B4-BE49-F238E27FC236}">
-                <a16:creationId xmlns:a16="http://schemas.microsoft.com/office/drawing/2014/main" id="{1FA89320-C9AF-56E4-F656-1B7CC636F17A}"/>
+                <a16:creationId xmlns:a16="http://schemas.microsoft.com/office/drawing/2014/main" xmlns="" id="{1FA89320-C9AF-56E4-F656-1B7CC636F17A}"/>
               </a:ext>
             </a:extLst>
           </p:cNvPr>
@@ -1000,7 +1006,7 @@
           <p:cNvPr id="3" name="텍스트 개체 틀 2">
             <a:extLst>
               <a:ext uri="{FF2B5EF4-FFF2-40B4-BE49-F238E27FC236}">
-                <a16:creationId xmlns:a16="http://schemas.microsoft.com/office/drawing/2014/main" id="{B0218A0C-DA5B-DDE6-2548-05F05404915A}"/>
+                <a16:creationId xmlns:a16="http://schemas.microsoft.com/office/drawing/2014/main" xmlns="" id="{B0218A0C-DA5B-DDE6-2548-05F05404915A}"/>
               </a:ext>
             </a:extLst>
           </p:cNvPr>
@@ -1125,7 +1131,7 @@
           <p:cNvPr id="4" name="날짜 개체 틀 3">
             <a:extLst>
               <a:ext uri="{FF2B5EF4-FFF2-40B4-BE49-F238E27FC236}">
-                <a16:creationId xmlns:a16="http://schemas.microsoft.com/office/drawing/2014/main" id="{AD9F9DDC-80B6-E306-2701-AE0D9237DDFC}"/>
+                <a16:creationId xmlns:a16="http://schemas.microsoft.com/office/drawing/2014/main" xmlns="" id="{AD9F9DDC-80B6-E306-2701-AE0D9237DDFC}"/>
               </a:ext>
             </a:extLst>
           </p:cNvPr>
@@ -1143,7 +1149,7 @@
           <a:p>
             <a:fld id="{8D1E83FF-0317-4EF8-8246-52A9F6254019}" type="datetimeFigureOut">
               <a:rPr lang="ko-KR" altLang="en-US" smtClean="0"/>
-              <a:t>2022-05-13</a:t>
+              <a:t>2022-05-18</a:t>
             </a:fld>
             <a:endParaRPr lang="ko-KR" altLang="en-US"/>
           </a:p>
@@ -1154,7 +1160,7 @@
           <p:cNvPr id="5" name="바닥글 개체 틀 4">
             <a:extLst>
               <a:ext uri="{FF2B5EF4-FFF2-40B4-BE49-F238E27FC236}">
-                <a16:creationId xmlns:a16="http://schemas.microsoft.com/office/drawing/2014/main" id="{59566DA9-FCDB-5B12-B1AA-1015A8711050}"/>
+                <a16:creationId xmlns:a16="http://schemas.microsoft.com/office/drawing/2014/main" xmlns="" id="{59566DA9-FCDB-5B12-B1AA-1015A8711050}"/>
               </a:ext>
             </a:extLst>
           </p:cNvPr>
@@ -1179,7 +1185,7 @@
           <p:cNvPr id="6" name="슬라이드 번호 개체 틀 5">
             <a:extLst>
               <a:ext uri="{FF2B5EF4-FFF2-40B4-BE49-F238E27FC236}">
-                <a16:creationId xmlns:a16="http://schemas.microsoft.com/office/drawing/2014/main" id="{1445BCC2-A6E9-5CF6-2A1E-7A02496979A3}"/>
+                <a16:creationId xmlns:a16="http://schemas.microsoft.com/office/drawing/2014/main" xmlns="" id="{1445BCC2-A6E9-5CF6-2A1E-7A02496979A3}"/>
               </a:ext>
             </a:extLst>
           </p:cNvPr>
@@ -1238,7 +1244,7 @@
           <p:cNvPr id="2" name="제목 1">
             <a:extLst>
               <a:ext uri="{FF2B5EF4-FFF2-40B4-BE49-F238E27FC236}">
-                <a16:creationId xmlns:a16="http://schemas.microsoft.com/office/drawing/2014/main" id="{86026742-85CD-BD26-EEA8-ED9ABCF82925}"/>
+                <a16:creationId xmlns:a16="http://schemas.microsoft.com/office/drawing/2014/main" xmlns="" id="{86026742-85CD-BD26-EEA8-ED9ABCF82925}"/>
               </a:ext>
             </a:extLst>
           </p:cNvPr>
@@ -1266,7 +1272,7 @@
           <p:cNvPr id="3" name="내용 개체 틀 2">
             <a:extLst>
               <a:ext uri="{FF2B5EF4-FFF2-40B4-BE49-F238E27FC236}">
-                <a16:creationId xmlns:a16="http://schemas.microsoft.com/office/drawing/2014/main" id="{AC428F24-671C-CF22-AED2-D388FB8E5079}"/>
+                <a16:creationId xmlns:a16="http://schemas.microsoft.com/office/drawing/2014/main" xmlns="" id="{AC428F24-671C-CF22-AED2-D388FB8E5079}"/>
               </a:ext>
             </a:extLst>
           </p:cNvPr>
@@ -1328,7 +1334,7 @@
           <p:cNvPr id="4" name="내용 개체 틀 3">
             <a:extLst>
               <a:ext uri="{FF2B5EF4-FFF2-40B4-BE49-F238E27FC236}">
-                <a16:creationId xmlns:a16="http://schemas.microsoft.com/office/drawing/2014/main" id="{6D66D66A-69F6-3334-8E3C-88B7F50B4EE3}"/>
+                <a16:creationId xmlns:a16="http://schemas.microsoft.com/office/drawing/2014/main" xmlns="" id="{6D66D66A-69F6-3334-8E3C-88B7F50B4EE3}"/>
               </a:ext>
             </a:extLst>
           </p:cNvPr>
@@ -1390,7 +1396,7 @@
           <p:cNvPr id="5" name="날짜 개체 틀 4">
             <a:extLst>
               <a:ext uri="{FF2B5EF4-FFF2-40B4-BE49-F238E27FC236}">
-                <a16:creationId xmlns:a16="http://schemas.microsoft.com/office/drawing/2014/main" id="{DD584D0E-54AC-4F07-0FEF-2CF9124AF676}"/>
+                <a16:creationId xmlns:a16="http://schemas.microsoft.com/office/drawing/2014/main" xmlns="" id="{DD584D0E-54AC-4F07-0FEF-2CF9124AF676}"/>
               </a:ext>
             </a:extLst>
           </p:cNvPr>
@@ -1408,7 +1414,7 @@
           <a:p>
             <a:fld id="{8D1E83FF-0317-4EF8-8246-52A9F6254019}" type="datetimeFigureOut">
               <a:rPr lang="ko-KR" altLang="en-US" smtClean="0"/>
-              <a:t>2022-05-13</a:t>
+              <a:t>2022-05-18</a:t>
             </a:fld>
             <a:endParaRPr lang="ko-KR" altLang="en-US"/>
           </a:p>
@@ -1419,7 +1425,7 @@
           <p:cNvPr id="6" name="바닥글 개체 틀 5">
             <a:extLst>
               <a:ext uri="{FF2B5EF4-FFF2-40B4-BE49-F238E27FC236}">
-                <a16:creationId xmlns:a16="http://schemas.microsoft.com/office/drawing/2014/main" id="{59EB270E-53FB-AA46-2541-4C1D6D6EC034}"/>
+                <a16:creationId xmlns:a16="http://schemas.microsoft.com/office/drawing/2014/main" xmlns="" id="{59EB270E-53FB-AA46-2541-4C1D6D6EC034}"/>
               </a:ext>
             </a:extLst>
           </p:cNvPr>
@@ -1444,7 +1450,7 @@
           <p:cNvPr id="7" name="슬라이드 번호 개체 틀 6">
             <a:extLst>
               <a:ext uri="{FF2B5EF4-FFF2-40B4-BE49-F238E27FC236}">
-                <a16:creationId xmlns:a16="http://schemas.microsoft.com/office/drawing/2014/main" id="{4914FC14-F073-52B4-2D1A-31FC59676A56}"/>
+                <a16:creationId xmlns:a16="http://schemas.microsoft.com/office/drawing/2014/main" xmlns="" id="{4914FC14-F073-52B4-2D1A-31FC59676A56}"/>
               </a:ext>
             </a:extLst>
           </p:cNvPr>
@@ -1503,7 +1509,7 @@
           <p:cNvPr id="2" name="제목 1">
             <a:extLst>
               <a:ext uri="{FF2B5EF4-FFF2-40B4-BE49-F238E27FC236}">
-                <a16:creationId xmlns:a16="http://schemas.microsoft.com/office/drawing/2014/main" id="{2B2C5BD3-E690-16C6-DDDB-B55A2E219512}"/>
+                <a16:creationId xmlns:a16="http://schemas.microsoft.com/office/drawing/2014/main" xmlns="" id="{2B2C5BD3-E690-16C6-DDDB-B55A2E219512}"/>
               </a:ext>
             </a:extLst>
           </p:cNvPr>
@@ -1536,7 +1542,7 @@
           <p:cNvPr id="3" name="텍스트 개체 틀 2">
             <a:extLst>
               <a:ext uri="{FF2B5EF4-FFF2-40B4-BE49-F238E27FC236}">
-                <a16:creationId xmlns:a16="http://schemas.microsoft.com/office/drawing/2014/main" id="{52752E9A-FFCC-D98F-4ED2-F47A1745ED41}"/>
+                <a16:creationId xmlns:a16="http://schemas.microsoft.com/office/drawing/2014/main" xmlns="" id="{52752E9A-FFCC-D98F-4ED2-F47A1745ED41}"/>
               </a:ext>
             </a:extLst>
           </p:cNvPr>
@@ -1607,7 +1613,7 @@
           <p:cNvPr id="4" name="내용 개체 틀 3">
             <a:extLst>
               <a:ext uri="{FF2B5EF4-FFF2-40B4-BE49-F238E27FC236}">
-                <a16:creationId xmlns:a16="http://schemas.microsoft.com/office/drawing/2014/main" id="{7D6E8B83-18DE-A38D-D177-23C87667DB77}"/>
+                <a16:creationId xmlns:a16="http://schemas.microsoft.com/office/drawing/2014/main" xmlns="" id="{7D6E8B83-18DE-A38D-D177-23C87667DB77}"/>
               </a:ext>
             </a:extLst>
           </p:cNvPr>
@@ -1669,7 +1675,7 @@
           <p:cNvPr id="5" name="텍스트 개체 틀 4">
             <a:extLst>
               <a:ext uri="{FF2B5EF4-FFF2-40B4-BE49-F238E27FC236}">
-                <a16:creationId xmlns:a16="http://schemas.microsoft.com/office/drawing/2014/main" id="{15B1DBEA-2E8E-2322-C57E-5289EB42124C}"/>
+                <a16:creationId xmlns:a16="http://schemas.microsoft.com/office/drawing/2014/main" xmlns="" id="{15B1DBEA-2E8E-2322-C57E-5289EB42124C}"/>
               </a:ext>
             </a:extLst>
           </p:cNvPr>
@@ -1740,7 +1746,7 @@
           <p:cNvPr id="6" name="내용 개체 틀 5">
             <a:extLst>
               <a:ext uri="{FF2B5EF4-FFF2-40B4-BE49-F238E27FC236}">
-                <a16:creationId xmlns:a16="http://schemas.microsoft.com/office/drawing/2014/main" id="{CC0AD655-5EBE-5F03-142F-E28D2204C4DA}"/>
+                <a16:creationId xmlns:a16="http://schemas.microsoft.com/office/drawing/2014/main" xmlns="" id="{CC0AD655-5EBE-5F03-142F-E28D2204C4DA}"/>
               </a:ext>
             </a:extLst>
           </p:cNvPr>
@@ -1802,7 +1808,7 @@
           <p:cNvPr id="7" name="날짜 개체 틀 6">
             <a:extLst>
               <a:ext uri="{FF2B5EF4-FFF2-40B4-BE49-F238E27FC236}">
-                <a16:creationId xmlns:a16="http://schemas.microsoft.com/office/drawing/2014/main" id="{0B4AF0B7-C1DE-4260-66D0-714E7FAF2658}"/>
+                <a16:creationId xmlns:a16="http://schemas.microsoft.com/office/drawing/2014/main" xmlns="" id="{0B4AF0B7-C1DE-4260-66D0-714E7FAF2658}"/>
               </a:ext>
             </a:extLst>
           </p:cNvPr>
@@ -1820,7 +1826,7 @@
           <a:p>
             <a:fld id="{8D1E83FF-0317-4EF8-8246-52A9F6254019}" type="datetimeFigureOut">
               <a:rPr lang="ko-KR" altLang="en-US" smtClean="0"/>
-              <a:t>2022-05-13</a:t>
+              <a:t>2022-05-18</a:t>
             </a:fld>
             <a:endParaRPr lang="ko-KR" altLang="en-US"/>
           </a:p>
@@ -1831,7 +1837,7 @@
           <p:cNvPr id="8" name="바닥글 개체 틀 7">
             <a:extLst>
               <a:ext uri="{FF2B5EF4-FFF2-40B4-BE49-F238E27FC236}">
-                <a16:creationId xmlns:a16="http://schemas.microsoft.com/office/drawing/2014/main" id="{A127CAF7-3FD3-121D-1118-9737B0B6B59A}"/>
+                <a16:creationId xmlns:a16="http://schemas.microsoft.com/office/drawing/2014/main" xmlns="" id="{A127CAF7-3FD3-121D-1118-9737B0B6B59A}"/>
               </a:ext>
             </a:extLst>
           </p:cNvPr>
@@ -1856,7 +1862,7 @@
           <p:cNvPr id="9" name="슬라이드 번호 개체 틀 8">
             <a:extLst>
               <a:ext uri="{FF2B5EF4-FFF2-40B4-BE49-F238E27FC236}">
-                <a16:creationId xmlns:a16="http://schemas.microsoft.com/office/drawing/2014/main" id="{E107A0C3-899B-F702-2B3D-0484B724F765}"/>
+                <a16:creationId xmlns:a16="http://schemas.microsoft.com/office/drawing/2014/main" xmlns="" id="{E107A0C3-899B-F702-2B3D-0484B724F765}"/>
               </a:ext>
             </a:extLst>
           </p:cNvPr>
@@ -1915,7 +1921,7 @@
           <p:cNvPr id="2" name="제목 1">
             <a:extLst>
               <a:ext uri="{FF2B5EF4-FFF2-40B4-BE49-F238E27FC236}">
-                <a16:creationId xmlns:a16="http://schemas.microsoft.com/office/drawing/2014/main" id="{AF6A7327-6448-B034-115A-BE35F129892F}"/>
+                <a16:creationId xmlns:a16="http://schemas.microsoft.com/office/drawing/2014/main" xmlns="" id="{AF6A7327-6448-B034-115A-BE35F129892F}"/>
               </a:ext>
             </a:extLst>
           </p:cNvPr>
@@ -1943,7 +1949,7 @@
           <p:cNvPr id="3" name="날짜 개체 틀 2">
             <a:extLst>
               <a:ext uri="{FF2B5EF4-FFF2-40B4-BE49-F238E27FC236}">
-                <a16:creationId xmlns:a16="http://schemas.microsoft.com/office/drawing/2014/main" id="{DFCFF71A-158C-BF2B-95FF-F44027AB4F58}"/>
+                <a16:creationId xmlns:a16="http://schemas.microsoft.com/office/drawing/2014/main" xmlns="" id="{DFCFF71A-158C-BF2B-95FF-F44027AB4F58}"/>
               </a:ext>
             </a:extLst>
           </p:cNvPr>
@@ -1961,7 +1967,7 @@
           <a:p>
             <a:fld id="{8D1E83FF-0317-4EF8-8246-52A9F6254019}" type="datetimeFigureOut">
               <a:rPr lang="ko-KR" altLang="en-US" smtClean="0"/>
-              <a:t>2022-05-13</a:t>
+              <a:t>2022-05-18</a:t>
             </a:fld>
             <a:endParaRPr lang="ko-KR" altLang="en-US"/>
           </a:p>
@@ -1972,7 +1978,7 @@
           <p:cNvPr id="4" name="바닥글 개체 틀 3">
             <a:extLst>
               <a:ext uri="{FF2B5EF4-FFF2-40B4-BE49-F238E27FC236}">
-                <a16:creationId xmlns:a16="http://schemas.microsoft.com/office/drawing/2014/main" id="{8DE817E6-0657-9413-C35D-EEDA8AE1EC5E}"/>
+                <a16:creationId xmlns:a16="http://schemas.microsoft.com/office/drawing/2014/main" xmlns="" id="{8DE817E6-0657-9413-C35D-EEDA8AE1EC5E}"/>
               </a:ext>
             </a:extLst>
           </p:cNvPr>
@@ -1997,7 +2003,7 @@
           <p:cNvPr id="5" name="슬라이드 번호 개체 틀 4">
             <a:extLst>
               <a:ext uri="{FF2B5EF4-FFF2-40B4-BE49-F238E27FC236}">
-                <a16:creationId xmlns:a16="http://schemas.microsoft.com/office/drawing/2014/main" id="{1CAB6CF0-C623-0A54-DD26-E2C2F37798EA}"/>
+                <a16:creationId xmlns:a16="http://schemas.microsoft.com/office/drawing/2014/main" xmlns="" id="{1CAB6CF0-C623-0A54-DD26-E2C2F37798EA}"/>
               </a:ext>
             </a:extLst>
           </p:cNvPr>
@@ -2056,7 +2062,7 @@
           <p:cNvPr id="2" name="날짜 개체 틀 1">
             <a:extLst>
               <a:ext uri="{FF2B5EF4-FFF2-40B4-BE49-F238E27FC236}">
-                <a16:creationId xmlns:a16="http://schemas.microsoft.com/office/drawing/2014/main" id="{8DDADDC3-40B1-3D5F-0CA4-84FF249FC63B}"/>
+                <a16:creationId xmlns:a16="http://schemas.microsoft.com/office/drawing/2014/main" xmlns="" id="{8DDADDC3-40B1-3D5F-0CA4-84FF249FC63B}"/>
               </a:ext>
             </a:extLst>
           </p:cNvPr>
@@ -2074,7 +2080,7 @@
           <a:p>
             <a:fld id="{8D1E83FF-0317-4EF8-8246-52A9F6254019}" type="datetimeFigureOut">
               <a:rPr lang="ko-KR" altLang="en-US" smtClean="0"/>
-              <a:t>2022-05-13</a:t>
+              <a:t>2022-05-18</a:t>
             </a:fld>
             <a:endParaRPr lang="ko-KR" altLang="en-US"/>
           </a:p>
@@ -2085,7 +2091,7 @@
           <p:cNvPr id="3" name="바닥글 개체 틀 2">
             <a:extLst>
               <a:ext uri="{FF2B5EF4-FFF2-40B4-BE49-F238E27FC236}">
-                <a16:creationId xmlns:a16="http://schemas.microsoft.com/office/drawing/2014/main" id="{29DC593E-26B2-07E4-AE61-369DA2E14620}"/>
+                <a16:creationId xmlns:a16="http://schemas.microsoft.com/office/drawing/2014/main" xmlns="" id="{29DC593E-26B2-07E4-AE61-369DA2E14620}"/>
               </a:ext>
             </a:extLst>
           </p:cNvPr>
@@ -2110,7 +2116,7 @@
           <p:cNvPr id="4" name="슬라이드 번호 개체 틀 3">
             <a:extLst>
               <a:ext uri="{FF2B5EF4-FFF2-40B4-BE49-F238E27FC236}">
-                <a16:creationId xmlns:a16="http://schemas.microsoft.com/office/drawing/2014/main" id="{E024813D-F2B3-47EC-E7EA-06013BDFB4B6}"/>
+                <a16:creationId xmlns:a16="http://schemas.microsoft.com/office/drawing/2014/main" xmlns="" id="{E024813D-F2B3-47EC-E7EA-06013BDFB4B6}"/>
               </a:ext>
             </a:extLst>
           </p:cNvPr>
@@ -2169,7 +2175,7 @@
           <p:cNvPr id="2" name="제목 1">
             <a:extLst>
               <a:ext uri="{FF2B5EF4-FFF2-40B4-BE49-F238E27FC236}">
-                <a16:creationId xmlns:a16="http://schemas.microsoft.com/office/drawing/2014/main" id="{D9E80C55-FFF8-CC91-F31D-BFC9DDE93614}"/>
+                <a16:creationId xmlns:a16="http://schemas.microsoft.com/office/drawing/2014/main" xmlns="" id="{D9E80C55-FFF8-CC91-F31D-BFC9DDE93614}"/>
               </a:ext>
             </a:extLst>
           </p:cNvPr>
@@ -2206,7 +2212,7 @@
           <p:cNvPr id="3" name="내용 개체 틀 2">
             <a:extLst>
               <a:ext uri="{FF2B5EF4-FFF2-40B4-BE49-F238E27FC236}">
-                <a16:creationId xmlns:a16="http://schemas.microsoft.com/office/drawing/2014/main" id="{AA86AFDB-7F7E-1333-6ABF-5259CC347742}"/>
+                <a16:creationId xmlns:a16="http://schemas.microsoft.com/office/drawing/2014/main" xmlns="" id="{AA86AFDB-7F7E-1333-6ABF-5259CC347742}"/>
               </a:ext>
             </a:extLst>
           </p:cNvPr>
@@ -2296,7 +2302,7 @@
           <p:cNvPr id="4" name="텍스트 개체 틀 3">
             <a:extLst>
               <a:ext uri="{FF2B5EF4-FFF2-40B4-BE49-F238E27FC236}">
-                <a16:creationId xmlns:a16="http://schemas.microsoft.com/office/drawing/2014/main" id="{724CBA56-E1C4-BB83-8DD3-E7FF5B2FA67D}"/>
+                <a16:creationId xmlns:a16="http://schemas.microsoft.com/office/drawing/2014/main" xmlns="" id="{724CBA56-E1C4-BB83-8DD3-E7FF5B2FA67D}"/>
               </a:ext>
             </a:extLst>
           </p:cNvPr>
@@ -2367,7 +2373,7 @@
           <p:cNvPr id="5" name="날짜 개체 틀 4">
             <a:extLst>
               <a:ext uri="{FF2B5EF4-FFF2-40B4-BE49-F238E27FC236}">
-                <a16:creationId xmlns:a16="http://schemas.microsoft.com/office/drawing/2014/main" id="{2FDD9703-C473-3518-D3C6-E860D1A7ECDF}"/>
+                <a16:creationId xmlns:a16="http://schemas.microsoft.com/office/drawing/2014/main" xmlns="" id="{2FDD9703-C473-3518-D3C6-E860D1A7ECDF}"/>
               </a:ext>
             </a:extLst>
           </p:cNvPr>
@@ -2385,7 +2391,7 @@
           <a:p>
             <a:fld id="{8D1E83FF-0317-4EF8-8246-52A9F6254019}" type="datetimeFigureOut">
               <a:rPr lang="ko-KR" altLang="en-US" smtClean="0"/>
-              <a:t>2022-05-13</a:t>
+              <a:t>2022-05-18</a:t>
             </a:fld>
             <a:endParaRPr lang="ko-KR" altLang="en-US"/>
           </a:p>
@@ -2396,7 +2402,7 @@
           <p:cNvPr id="6" name="바닥글 개체 틀 5">
             <a:extLst>
               <a:ext uri="{FF2B5EF4-FFF2-40B4-BE49-F238E27FC236}">
-                <a16:creationId xmlns:a16="http://schemas.microsoft.com/office/drawing/2014/main" id="{031B5BF6-8B4B-3147-5E9C-25EF97593F88}"/>
+                <a16:creationId xmlns:a16="http://schemas.microsoft.com/office/drawing/2014/main" xmlns="" id="{031B5BF6-8B4B-3147-5E9C-25EF97593F88}"/>
               </a:ext>
             </a:extLst>
           </p:cNvPr>
@@ -2421,7 +2427,7 @@
           <p:cNvPr id="7" name="슬라이드 번호 개체 틀 6">
             <a:extLst>
               <a:ext uri="{FF2B5EF4-FFF2-40B4-BE49-F238E27FC236}">
-                <a16:creationId xmlns:a16="http://schemas.microsoft.com/office/drawing/2014/main" id="{1AB74E36-A941-782D-1978-7ECD9501320B}"/>
+                <a16:creationId xmlns:a16="http://schemas.microsoft.com/office/drawing/2014/main" xmlns="" id="{1AB74E36-A941-782D-1978-7ECD9501320B}"/>
               </a:ext>
             </a:extLst>
           </p:cNvPr>
@@ -2480,7 +2486,7 @@
           <p:cNvPr id="2" name="제목 1">
             <a:extLst>
               <a:ext uri="{FF2B5EF4-FFF2-40B4-BE49-F238E27FC236}">
-                <a16:creationId xmlns:a16="http://schemas.microsoft.com/office/drawing/2014/main" id="{D400DEA4-74BD-2B19-1452-9321699875FE}"/>
+                <a16:creationId xmlns:a16="http://schemas.microsoft.com/office/drawing/2014/main" xmlns="" id="{D400DEA4-74BD-2B19-1452-9321699875FE}"/>
               </a:ext>
             </a:extLst>
           </p:cNvPr>
@@ -2517,7 +2523,7 @@
           <p:cNvPr id="3" name="그림 개체 틀 2">
             <a:extLst>
               <a:ext uri="{FF2B5EF4-FFF2-40B4-BE49-F238E27FC236}">
-                <a16:creationId xmlns:a16="http://schemas.microsoft.com/office/drawing/2014/main" id="{80FF8BF8-4C4B-1664-F3BD-B7EB9AB765DC}"/>
+                <a16:creationId xmlns:a16="http://schemas.microsoft.com/office/drawing/2014/main" xmlns="" id="{80FF8BF8-4C4B-1664-F3BD-B7EB9AB765DC}"/>
               </a:ext>
             </a:extLst>
           </p:cNvPr>
@@ -2584,7 +2590,7 @@
           <p:cNvPr id="4" name="텍스트 개체 틀 3">
             <a:extLst>
               <a:ext uri="{FF2B5EF4-FFF2-40B4-BE49-F238E27FC236}">
-                <a16:creationId xmlns:a16="http://schemas.microsoft.com/office/drawing/2014/main" id="{8B6497AC-756A-8884-401F-99E351DE648D}"/>
+                <a16:creationId xmlns:a16="http://schemas.microsoft.com/office/drawing/2014/main" xmlns="" id="{8B6497AC-756A-8884-401F-99E351DE648D}"/>
               </a:ext>
             </a:extLst>
           </p:cNvPr>
@@ -2655,7 +2661,7 @@
           <p:cNvPr id="5" name="날짜 개체 틀 4">
             <a:extLst>
               <a:ext uri="{FF2B5EF4-FFF2-40B4-BE49-F238E27FC236}">
-                <a16:creationId xmlns:a16="http://schemas.microsoft.com/office/drawing/2014/main" id="{CE479547-7643-1D30-B3AD-4D7072FE2DDF}"/>
+                <a16:creationId xmlns:a16="http://schemas.microsoft.com/office/drawing/2014/main" xmlns="" id="{CE479547-7643-1D30-B3AD-4D7072FE2DDF}"/>
               </a:ext>
             </a:extLst>
           </p:cNvPr>
@@ -2673,7 +2679,7 @@
           <a:p>
             <a:fld id="{8D1E83FF-0317-4EF8-8246-52A9F6254019}" type="datetimeFigureOut">
               <a:rPr lang="ko-KR" altLang="en-US" smtClean="0"/>
-              <a:t>2022-05-13</a:t>
+              <a:t>2022-05-18</a:t>
             </a:fld>
             <a:endParaRPr lang="ko-KR" altLang="en-US"/>
           </a:p>
@@ -2684,7 +2690,7 @@
           <p:cNvPr id="6" name="바닥글 개체 틀 5">
             <a:extLst>
               <a:ext uri="{FF2B5EF4-FFF2-40B4-BE49-F238E27FC236}">
-                <a16:creationId xmlns:a16="http://schemas.microsoft.com/office/drawing/2014/main" id="{98AE95D1-40B7-4AC4-3337-210F08F3D1BA}"/>
+                <a16:creationId xmlns:a16="http://schemas.microsoft.com/office/drawing/2014/main" xmlns="" id="{98AE95D1-40B7-4AC4-3337-210F08F3D1BA}"/>
               </a:ext>
             </a:extLst>
           </p:cNvPr>
@@ -2709,7 +2715,7 @@
           <p:cNvPr id="7" name="슬라이드 번호 개체 틀 6">
             <a:extLst>
               <a:ext uri="{FF2B5EF4-FFF2-40B4-BE49-F238E27FC236}">
-                <a16:creationId xmlns:a16="http://schemas.microsoft.com/office/drawing/2014/main" id="{C102D2C6-89F5-91A1-3734-161867212129}"/>
+                <a16:creationId xmlns:a16="http://schemas.microsoft.com/office/drawing/2014/main" xmlns="" id="{C102D2C6-89F5-91A1-3734-161867212129}"/>
               </a:ext>
             </a:extLst>
           </p:cNvPr>
@@ -2773,7 +2779,7 @@
           <p:cNvPr id="2" name="제목 개체 틀 1">
             <a:extLst>
               <a:ext uri="{FF2B5EF4-FFF2-40B4-BE49-F238E27FC236}">
-                <a16:creationId xmlns:a16="http://schemas.microsoft.com/office/drawing/2014/main" id="{080D144F-21C9-90A2-6939-8683105CF67D}"/>
+                <a16:creationId xmlns:a16="http://schemas.microsoft.com/office/drawing/2014/main" xmlns="" id="{080D144F-21C9-90A2-6939-8683105CF67D}"/>
               </a:ext>
             </a:extLst>
           </p:cNvPr>
@@ -2811,7 +2817,7 @@
           <p:cNvPr id="3" name="텍스트 개체 틀 2">
             <a:extLst>
               <a:ext uri="{FF2B5EF4-FFF2-40B4-BE49-F238E27FC236}">
-                <a16:creationId xmlns:a16="http://schemas.microsoft.com/office/drawing/2014/main" id="{5BD80A15-F0D4-925B-EDF3-B6EEAFF81575}"/>
+                <a16:creationId xmlns:a16="http://schemas.microsoft.com/office/drawing/2014/main" xmlns="" id="{5BD80A15-F0D4-925B-EDF3-B6EEAFF81575}"/>
               </a:ext>
             </a:extLst>
           </p:cNvPr>
@@ -2878,7 +2884,7 @@
           <p:cNvPr id="4" name="날짜 개체 틀 3">
             <a:extLst>
               <a:ext uri="{FF2B5EF4-FFF2-40B4-BE49-F238E27FC236}">
-                <a16:creationId xmlns:a16="http://schemas.microsoft.com/office/drawing/2014/main" id="{B8B4E8D5-01BA-64BB-37A2-6CB697C26CB6}"/>
+                <a16:creationId xmlns:a16="http://schemas.microsoft.com/office/drawing/2014/main" xmlns="" id="{B8B4E8D5-01BA-64BB-37A2-6CB697C26CB6}"/>
               </a:ext>
             </a:extLst>
           </p:cNvPr>
@@ -2914,7 +2920,7 @@
           <a:p>
             <a:fld id="{8D1E83FF-0317-4EF8-8246-52A9F6254019}" type="datetimeFigureOut">
               <a:rPr lang="ko-KR" altLang="en-US" smtClean="0"/>
-              <a:t>2022-05-13</a:t>
+              <a:t>2022-05-18</a:t>
             </a:fld>
             <a:endParaRPr lang="ko-KR" altLang="en-US"/>
           </a:p>
@@ -2925,7 +2931,7 @@
           <p:cNvPr id="5" name="바닥글 개체 틀 4">
             <a:extLst>
               <a:ext uri="{FF2B5EF4-FFF2-40B4-BE49-F238E27FC236}">
-                <a16:creationId xmlns:a16="http://schemas.microsoft.com/office/drawing/2014/main" id="{FF9B9CEB-19BF-777D-EABC-179B769DD990}"/>
+                <a16:creationId xmlns:a16="http://schemas.microsoft.com/office/drawing/2014/main" xmlns="" id="{FF9B9CEB-19BF-777D-EABC-179B769DD990}"/>
               </a:ext>
             </a:extLst>
           </p:cNvPr>
@@ -2968,7 +2974,7 @@
           <p:cNvPr id="6" name="슬라이드 번호 개체 틀 5">
             <a:extLst>
               <a:ext uri="{FF2B5EF4-FFF2-40B4-BE49-F238E27FC236}">
-                <a16:creationId xmlns:a16="http://schemas.microsoft.com/office/drawing/2014/main" id="{23A3C46C-4820-D087-C3E8-64621DCFB306}"/>
+                <a16:creationId xmlns:a16="http://schemas.microsoft.com/office/drawing/2014/main" xmlns="" id="{23A3C46C-4820-D087-C3E8-64621DCFB306}"/>
               </a:ext>
             </a:extLst>
           </p:cNvPr>
@@ -3336,7 +3342,7 @@
           <p:cNvPr id="3" name="그림 2" descr="1">
             <a:extLst>
               <a:ext uri="{FF2B5EF4-FFF2-40B4-BE49-F238E27FC236}">
-                <a16:creationId xmlns:a16="http://schemas.microsoft.com/office/drawing/2014/main" id="{84377B82-7484-780F-0DE4-AA72180D3D47}"/>
+                <a16:creationId xmlns:a16="http://schemas.microsoft.com/office/drawing/2014/main" xmlns="" id="{84377B82-7484-780F-0DE4-AA72180D3D47}"/>
               </a:ext>
             </a:extLst>
           </p:cNvPr>
@@ -3346,7 +3352,7 @@
           <p:nvPr isPhoto="1"/>
         </p:nvPicPr>
         <p:blipFill>
-          <a:blip r:embed="rId2">
+          <a:blip r:embed="rId2" cstate="print">
             <a:lum/>
             <a:extLst>
               <a:ext uri="{28A0092B-C50C-407E-A947-70E740481C1C}">
@@ -3400,10 +3406,10 @@
       </p:grpSpPr>
       <p:pic>
         <p:nvPicPr>
-          <p:cNvPr id="3" name="그림 2" descr="app4">
-            <a:extLst>
-              <a:ext uri="{FF2B5EF4-FFF2-40B4-BE49-F238E27FC236}">
-                <a16:creationId xmlns:a16="http://schemas.microsoft.com/office/drawing/2014/main" id="{0D1CFD9E-9339-C6AA-5747-DE30FC0D4095}"/>
+          <p:cNvPr id="3" name="그림 2" descr="app3">
+            <a:extLst>
+              <a:ext uri="{FF2B5EF4-FFF2-40B4-BE49-F238E27FC236}">
+                <a16:creationId xmlns:a16="http://schemas.microsoft.com/office/drawing/2014/main" xmlns="" id="{17D5E037-97B5-05DC-EB61-B564B6445559}"/>
               </a:ext>
             </a:extLst>
           </p:cNvPr>
@@ -3413,7 +3419,74 @@
           <p:nvPr isPhoto="1"/>
         </p:nvPicPr>
         <p:blipFill>
-          <a:blip r:embed="rId2">
+          <a:blip r:embed="rId2" cstate="print">
+            <a:lum/>
+            <a:extLst>
+              <a:ext uri="{28A0092B-C50C-407E-A947-70E740481C1C}">
+                <a14:useLocalDpi xmlns:a14="http://schemas.microsoft.com/office/drawing/2010/main" val="0"/>
+              </a:ext>
+            </a:extLst>
+          </a:blip>
+          <a:stretch>
+            <a:fillRect/>
+          </a:stretch>
+        </p:blipFill>
+        <p:spPr>
+          <a:xfrm>
+            <a:off x="4510088" y="0"/>
+            <a:ext cx="3170237" cy="6858000"/>
+          </a:xfrm>
+          <a:prstGeom prst="rect">
+            <a:avLst/>
+          </a:prstGeom>
+        </p:spPr>
+      </p:pic>
+    </p:spTree>
+    <p:extLst>
+      <p:ext uri="{BB962C8B-B14F-4D97-AF65-F5344CB8AC3E}">
+        <p14:creationId xmlns:p14="http://schemas.microsoft.com/office/powerpoint/2010/main" val="3902898187"/>
+      </p:ext>
+    </p:extLst>
+  </p:cSld>
+  <p:clrMapOvr>
+    <a:masterClrMapping/>
+  </p:clrMapOvr>
+</p:sld>
+</file>
+
+<file path=ppt/slides/slide11.xml><?xml version="1.0" encoding="utf-8"?>
+<p:sld xmlns:a="http://schemas.openxmlformats.org/drawingml/2006/main" xmlns:r="http://schemas.openxmlformats.org/officeDocument/2006/relationships" xmlns:p="http://schemas.openxmlformats.org/presentationml/2006/main">
+  <p:cSld>
+    <p:spTree>
+      <p:nvGrpSpPr>
+        <p:cNvPr id="1" name=""/>
+        <p:cNvGrpSpPr/>
+        <p:nvPr/>
+      </p:nvGrpSpPr>
+      <p:grpSpPr>
+        <a:xfrm>
+          <a:off x="0" y="0"/>
+          <a:ext cx="0" cy="0"/>
+          <a:chOff x="0" y="0"/>
+          <a:chExt cx="0" cy="0"/>
+        </a:xfrm>
+      </p:grpSpPr>
+      <p:pic>
+        <p:nvPicPr>
+          <p:cNvPr id="3" name="그림 2" descr="app4">
+            <a:extLst>
+              <a:ext uri="{FF2B5EF4-FFF2-40B4-BE49-F238E27FC236}">
+                <a16:creationId xmlns:a16="http://schemas.microsoft.com/office/drawing/2014/main" xmlns="" id="{0D1CFD9E-9339-C6AA-5747-DE30FC0D4095}"/>
+              </a:ext>
+            </a:extLst>
+          </p:cNvPr>
+          <p:cNvPicPr>
+            <a:picLocks noGrp="1" noChangeAspect="1"/>
+          </p:cNvPicPr>
+          <p:nvPr isPhoto="1"/>
+        </p:nvPicPr>
+        <p:blipFill>
+          <a:blip r:embed="rId2" cstate="print">
             <a:lum/>
             <a:extLst>
               <a:ext uri="{28A0092B-C50C-407E-A947-70E740481C1C}">
@@ -3470,7 +3543,7 @@
           <p:cNvPr id="3" name="그림 2" descr="2">
             <a:extLst>
               <a:ext uri="{FF2B5EF4-FFF2-40B4-BE49-F238E27FC236}">
-                <a16:creationId xmlns:a16="http://schemas.microsoft.com/office/drawing/2014/main" id="{8B9C6CE4-5023-44A7-26B2-2B56B04B0966}"/>
+                <a16:creationId xmlns:a16="http://schemas.microsoft.com/office/drawing/2014/main" xmlns="" id="{8B9C6CE4-5023-44A7-26B2-2B56B04B0966}"/>
               </a:ext>
             </a:extLst>
           </p:cNvPr>
@@ -3480,7 +3553,7 @@
           <p:nvPr isPhoto="1"/>
         </p:nvPicPr>
         <p:blipFill>
-          <a:blip r:embed="rId2">
+          <a:blip r:embed="rId2" cstate="print">
             <a:lum/>
             <a:extLst>
               <a:ext uri="{28A0092B-C50C-407E-A947-70E740481C1C}">
@@ -3537,7 +3610,7 @@
           <p:cNvPr id="3" name="그림 2" descr="3">
             <a:extLst>
               <a:ext uri="{FF2B5EF4-FFF2-40B4-BE49-F238E27FC236}">
-                <a16:creationId xmlns:a16="http://schemas.microsoft.com/office/drawing/2014/main" id="{5A8088FA-37BC-DE2D-1417-D81B8BEF9337}"/>
+                <a16:creationId xmlns:a16="http://schemas.microsoft.com/office/drawing/2014/main" xmlns="" id="{5A8088FA-37BC-DE2D-1417-D81B8BEF9337}"/>
               </a:ext>
             </a:extLst>
           </p:cNvPr>
@@ -3547,7 +3620,7 @@
           <p:nvPr isPhoto="1"/>
         </p:nvPicPr>
         <p:blipFill>
-          <a:blip r:embed="rId2">
+          <a:blip r:embed="rId2" cstate="print">
             <a:lum/>
             <a:extLst>
               <a:ext uri="{28A0092B-C50C-407E-A947-70E740481C1C}">
@@ -3604,7 +3677,7 @@
           <p:cNvPr id="3" name="그림 2" descr="4">
             <a:extLst>
               <a:ext uri="{FF2B5EF4-FFF2-40B4-BE49-F238E27FC236}">
-                <a16:creationId xmlns:a16="http://schemas.microsoft.com/office/drawing/2014/main" id="{4590C4CC-791C-D230-657A-F5ACDFE4F016}"/>
+                <a16:creationId xmlns:a16="http://schemas.microsoft.com/office/drawing/2014/main" xmlns="" id="{4590C4CC-791C-D230-657A-F5ACDFE4F016}"/>
               </a:ext>
             </a:extLst>
           </p:cNvPr>
@@ -3614,7 +3687,7 @@
           <p:nvPr isPhoto="1"/>
         </p:nvPicPr>
         <p:blipFill>
-          <a:blip r:embed="rId2">
+          <a:blip r:embed="rId2" cstate="print">
             <a:lum/>
             <a:extLst>
               <a:ext uri="{28A0092B-C50C-407E-A947-70E740481C1C}">
@@ -3671,7 +3744,7 @@
           <p:cNvPr id="3" name="그림 2" descr="5">
             <a:extLst>
               <a:ext uri="{FF2B5EF4-FFF2-40B4-BE49-F238E27FC236}">
-                <a16:creationId xmlns:a16="http://schemas.microsoft.com/office/drawing/2014/main" id="{ED4085AB-5642-FC62-EA6F-AACFC391238B}"/>
+                <a16:creationId xmlns:a16="http://schemas.microsoft.com/office/drawing/2014/main" xmlns="" id="{ED4085AB-5642-FC62-EA6F-AACFC391238B}"/>
               </a:ext>
             </a:extLst>
           </p:cNvPr>
@@ -3681,7 +3754,7 @@
           <p:nvPr isPhoto="1"/>
         </p:nvPicPr>
         <p:blipFill>
-          <a:blip r:embed="rId2">
+          <a:blip r:embed="rId2" cstate="print">
             <a:lum/>
             <a:extLst>
               <a:ext uri="{28A0092B-C50C-407E-A947-70E740481C1C}">
@@ -3695,14 +3768,477 @@
         </p:blipFill>
         <p:spPr>
           <a:xfrm>
-            <a:off x="0" y="0"/>
-            <a:ext cx="12190413" cy="6858000"/>
+            <a:off x="1" y="0"/>
+            <a:ext cx="8064062" cy="6858000"/>
           </a:xfrm>
           <a:prstGeom prst="rect">
             <a:avLst/>
           </a:prstGeom>
         </p:spPr>
       </p:pic>
+      <p:sp>
+        <p:nvSpPr>
+          <p:cNvPr id="2" name="직사각형 1"/>
+          <p:cNvSpPr/>
+          <p:nvPr/>
+        </p:nvSpPr>
+        <p:spPr>
+          <a:xfrm>
+            <a:off x="8064063" y="0"/>
+            <a:ext cx="4127937" cy="6858000"/>
+          </a:xfrm>
+          <a:prstGeom prst="rect">
+            <a:avLst/>
+          </a:prstGeom>
+          <a:solidFill>
+            <a:schemeClr val="tx1"/>
+          </a:solidFill>
+        </p:spPr>
+        <p:style>
+          <a:lnRef idx="2">
+            <a:schemeClr val="accent1">
+              <a:shade val="50000"/>
+            </a:schemeClr>
+          </a:lnRef>
+          <a:fillRef idx="1">
+            <a:schemeClr val="accent1"/>
+          </a:fillRef>
+          <a:effectRef idx="0">
+            <a:schemeClr val="accent1"/>
+          </a:effectRef>
+          <a:fontRef idx="minor">
+            <a:schemeClr val="lt1"/>
+          </a:fontRef>
+        </p:style>
+        <p:txBody>
+          <a:bodyPr rtlCol="0" anchor="ctr"/>
+          <a:lstStyle/>
+          <a:p>
+            <a:pPr algn="ctr"/>
+            <a:endParaRPr lang="ko-KR" altLang="en-US" dirty="0"/>
+          </a:p>
+        </p:txBody>
+      </p:sp>
+      <p:sp>
+        <p:nvSpPr>
+          <p:cNvPr id="4" name="포인트가 5개인 별 3"/>
+          <p:cNvSpPr/>
+          <p:nvPr/>
+        </p:nvSpPr>
+        <p:spPr>
+          <a:xfrm>
+            <a:off x="4974021" y="2246586"/>
+            <a:ext cx="78827" cy="94593"/>
+          </a:xfrm>
+          <a:prstGeom prst="star5">
+            <a:avLst/>
+          </a:prstGeom>
+          <a:solidFill>
+            <a:srgbClr val="FF0000"/>
+          </a:solidFill>
+          <a:ln>
+            <a:noFill/>
+          </a:ln>
+        </p:spPr>
+        <p:style>
+          <a:lnRef idx="2">
+            <a:schemeClr val="accent1">
+              <a:shade val="50000"/>
+            </a:schemeClr>
+          </a:lnRef>
+          <a:fillRef idx="1">
+            <a:schemeClr val="accent1"/>
+          </a:fillRef>
+          <a:effectRef idx="0">
+            <a:schemeClr val="accent1"/>
+          </a:effectRef>
+          <a:fontRef idx="minor">
+            <a:schemeClr val="lt1"/>
+          </a:fontRef>
+        </p:style>
+        <p:txBody>
+          <a:bodyPr rtlCol="0" anchor="ctr"/>
+          <a:lstStyle/>
+          <a:p>
+            <a:pPr algn="ctr"/>
+            <a:endParaRPr lang="ko-KR" altLang="en-US"/>
+          </a:p>
+        </p:txBody>
+      </p:sp>
+      <p:sp>
+        <p:nvSpPr>
+          <p:cNvPr id="5" name="포인트가 5개인 별 4"/>
+          <p:cNvSpPr/>
+          <p:nvPr/>
+        </p:nvSpPr>
+        <p:spPr>
+          <a:xfrm>
+            <a:off x="4974021" y="2801006"/>
+            <a:ext cx="78827" cy="94593"/>
+          </a:xfrm>
+          <a:prstGeom prst="star5">
+            <a:avLst/>
+          </a:prstGeom>
+          <a:solidFill>
+            <a:srgbClr val="FF0000"/>
+          </a:solidFill>
+          <a:ln>
+            <a:noFill/>
+          </a:ln>
+        </p:spPr>
+        <p:style>
+          <a:lnRef idx="2">
+            <a:schemeClr val="accent1">
+              <a:shade val="50000"/>
+            </a:schemeClr>
+          </a:lnRef>
+          <a:fillRef idx="1">
+            <a:schemeClr val="accent1"/>
+          </a:fillRef>
+          <a:effectRef idx="0">
+            <a:schemeClr val="accent1"/>
+          </a:effectRef>
+          <a:fontRef idx="minor">
+            <a:schemeClr val="lt1"/>
+          </a:fontRef>
+        </p:style>
+        <p:txBody>
+          <a:bodyPr rtlCol="0" anchor="ctr"/>
+          <a:lstStyle/>
+          <a:p>
+            <a:pPr algn="ctr"/>
+            <a:endParaRPr lang="ko-KR" altLang="en-US"/>
+          </a:p>
+        </p:txBody>
+      </p:sp>
+      <p:sp>
+        <p:nvSpPr>
+          <p:cNvPr id="6" name="포인트가 5개인 별 5"/>
+          <p:cNvSpPr/>
+          <p:nvPr/>
+        </p:nvSpPr>
+        <p:spPr>
+          <a:xfrm>
+            <a:off x="4974020" y="3381703"/>
+            <a:ext cx="78827" cy="94593"/>
+          </a:xfrm>
+          <a:prstGeom prst="star5">
+            <a:avLst/>
+          </a:prstGeom>
+          <a:solidFill>
+            <a:srgbClr val="FF0000"/>
+          </a:solidFill>
+          <a:ln>
+            <a:noFill/>
+          </a:ln>
+        </p:spPr>
+        <p:style>
+          <a:lnRef idx="2">
+            <a:schemeClr val="accent1">
+              <a:shade val="50000"/>
+            </a:schemeClr>
+          </a:lnRef>
+          <a:fillRef idx="1">
+            <a:schemeClr val="accent1"/>
+          </a:fillRef>
+          <a:effectRef idx="0">
+            <a:schemeClr val="accent1"/>
+          </a:effectRef>
+          <a:fontRef idx="minor">
+            <a:schemeClr val="lt1"/>
+          </a:fontRef>
+        </p:style>
+        <p:txBody>
+          <a:bodyPr rtlCol="0" anchor="ctr"/>
+          <a:lstStyle/>
+          <a:p>
+            <a:pPr algn="ctr"/>
+            <a:endParaRPr lang="ko-KR" altLang="en-US"/>
+          </a:p>
+        </p:txBody>
+      </p:sp>
+      <p:sp>
+        <p:nvSpPr>
+          <p:cNvPr id="7" name="포인트가 5개인 별 6"/>
+          <p:cNvSpPr/>
+          <p:nvPr/>
+        </p:nvSpPr>
+        <p:spPr>
+          <a:xfrm>
+            <a:off x="4974019" y="4422227"/>
+            <a:ext cx="78827" cy="94593"/>
+          </a:xfrm>
+          <a:prstGeom prst="star5">
+            <a:avLst/>
+          </a:prstGeom>
+          <a:solidFill>
+            <a:srgbClr val="FF0000"/>
+          </a:solidFill>
+          <a:ln>
+            <a:noFill/>
+          </a:ln>
+        </p:spPr>
+        <p:style>
+          <a:lnRef idx="2">
+            <a:schemeClr val="accent1">
+              <a:shade val="50000"/>
+            </a:schemeClr>
+          </a:lnRef>
+          <a:fillRef idx="1">
+            <a:schemeClr val="accent1"/>
+          </a:fillRef>
+          <a:effectRef idx="0">
+            <a:schemeClr val="accent1"/>
+          </a:effectRef>
+          <a:fontRef idx="minor">
+            <a:schemeClr val="lt1"/>
+          </a:fontRef>
+        </p:style>
+        <p:txBody>
+          <a:bodyPr rtlCol="0" anchor="ctr"/>
+          <a:lstStyle/>
+          <a:p>
+            <a:pPr algn="ctr"/>
+            <a:endParaRPr lang="ko-KR" altLang="en-US"/>
+          </a:p>
+        </p:txBody>
+      </p:sp>
+      <p:sp>
+        <p:nvSpPr>
+          <p:cNvPr id="8" name="포인트가 5개인 별 7"/>
+          <p:cNvSpPr/>
+          <p:nvPr/>
+        </p:nvSpPr>
+        <p:spPr>
+          <a:xfrm>
+            <a:off x="4974018" y="4976647"/>
+            <a:ext cx="78827" cy="94593"/>
+          </a:xfrm>
+          <a:prstGeom prst="star5">
+            <a:avLst/>
+          </a:prstGeom>
+          <a:solidFill>
+            <a:srgbClr val="FF0000"/>
+          </a:solidFill>
+          <a:ln>
+            <a:noFill/>
+          </a:ln>
+        </p:spPr>
+        <p:style>
+          <a:lnRef idx="2">
+            <a:schemeClr val="accent1">
+              <a:shade val="50000"/>
+            </a:schemeClr>
+          </a:lnRef>
+          <a:fillRef idx="1">
+            <a:schemeClr val="accent1"/>
+          </a:fillRef>
+          <a:effectRef idx="0">
+            <a:schemeClr val="accent1"/>
+          </a:effectRef>
+          <a:fontRef idx="minor">
+            <a:schemeClr val="lt1"/>
+          </a:fontRef>
+        </p:style>
+        <p:txBody>
+          <a:bodyPr rtlCol="0" anchor="ctr"/>
+          <a:lstStyle/>
+          <a:p>
+            <a:pPr algn="ctr"/>
+            <a:endParaRPr lang="ko-KR" altLang="en-US"/>
+          </a:p>
+        </p:txBody>
+      </p:sp>
+      <p:sp>
+        <p:nvSpPr>
+          <p:cNvPr id="10" name="포인트가 5개인 별 9"/>
+          <p:cNvSpPr/>
+          <p:nvPr/>
+        </p:nvSpPr>
+        <p:spPr>
+          <a:xfrm>
+            <a:off x="8358352" y="430924"/>
+            <a:ext cx="78827" cy="94593"/>
+          </a:xfrm>
+          <a:prstGeom prst="star5">
+            <a:avLst/>
+          </a:prstGeom>
+          <a:solidFill>
+            <a:srgbClr val="FF0000"/>
+          </a:solidFill>
+          <a:ln>
+            <a:noFill/>
+          </a:ln>
+        </p:spPr>
+        <p:style>
+          <a:lnRef idx="2">
+            <a:schemeClr val="accent1">
+              <a:shade val="50000"/>
+            </a:schemeClr>
+          </a:lnRef>
+          <a:fillRef idx="1">
+            <a:schemeClr val="accent1"/>
+          </a:fillRef>
+          <a:effectRef idx="0">
+            <a:schemeClr val="accent1"/>
+          </a:effectRef>
+          <a:fontRef idx="minor">
+            <a:schemeClr val="lt1"/>
+          </a:fontRef>
+        </p:style>
+        <p:txBody>
+          <a:bodyPr rtlCol="0" anchor="ctr"/>
+          <a:lstStyle/>
+          <a:p>
+            <a:pPr algn="ctr"/>
+            <a:endParaRPr lang="ko-KR" altLang="en-US"/>
+          </a:p>
+        </p:txBody>
+      </p:sp>
+      <p:sp>
+        <p:nvSpPr>
+          <p:cNvPr id="11" name="직사각형 10"/>
+          <p:cNvSpPr/>
+          <p:nvPr/>
+        </p:nvSpPr>
+        <p:spPr>
+          <a:xfrm>
+            <a:off x="8531772" y="356037"/>
+            <a:ext cx="3192517" cy="244365"/>
+          </a:xfrm>
+          <a:prstGeom prst="rect">
+            <a:avLst/>
+          </a:prstGeom>
+        </p:spPr>
+        <p:style>
+          <a:lnRef idx="2">
+            <a:schemeClr val="accent1">
+              <a:shade val="50000"/>
+            </a:schemeClr>
+          </a:lnRef>
+          <a:fillRef idx="1">
+            <a:schemeClr val="accent1"/>
+          </a:fillRef>
+          <a:effectRef idx="0">
+            <a:schemeClr val="accent1"/>
+          </a:effectRef>
+          <a:fontRef idx="minor">
+            <a:schemeClr val="lt1"/>
+          </a:fontRef>
+        </p:style>
+        <p:txBody>
+          <a:bodyPr rtlCol="0" anchor="ctr"/>
+          <a:lstStyle/>
+          <a:p>
+            <a:pPr algn="ctr"/>
+            <a:r>
+              <a:rPr lang="ko-KR" altLang="en-US" dirty="0" smtClean="0"/>
+              <a:t>필수입력</a:t>
+            </a:r>
+            <a:endParaRPr lang="en-US" altLang="ko-KR" dirty="0" smtClean="0"/>
+          </a:p>
+        </p:txBody>
+      </p:sp>
+      <p:sp>
+        <p:nvSpPr>
+          <p:cNvPr id="12" name="직사각형 11"/>
+          <p:cNvSpPr/>
+          <p:nvPr/>
+        </p:nvSpPr>
+        <p:spPr>
+          <a:xfrm>
+            <a:off x="8531771" y="600402"/>
+            <a:ext cx="3192517" cy="3364626"/>
+          </a:xfrm>
+          <a:prstGeom prst="rect">
+            <a:avLst/>
+          </a:prstGeom>
+        </p:spPr>
+        <p:style>
+          <a:lnRef idx="2">
+            <a:schemeClr val="accent1">
+              <a:shade val="50000"/>
+            </a:schemeClr>
+          </a:lnRef>
+          <a:fillRef idx="1">
+            <a:schemeClr val="accent1"/>
+          </a:fillRef>
+          <a:effectRef idx="0">
+            <a:schemeClr val="accent1"/>
+          </a:effectRef>
+          <a:fontRef idx="minor">
+            <a:schemeClr val="lt1"/>
+          </a:fontRef>
+        </p:style>
+        <p:txBody>
+          <a:bodyPr rtlCol="0" anchor="ctr"/>
+          <a:lstStyle/>
+          <a:p>
+            <a:pPr algn="ctr"/>
+            <a:r>
+              <a:rPr lang="ko-KR" altLang="en-US" sz="1100" dirty="0" smtClean="0"/>
+              <a:t>아이디 </a:t>
+            </a:r>
+            <a:r>
+              <a:rPr lang="en-US" altLang="ko-KR" sz="1100" dirty="0" smtClean="0"/>
+              <a:t>: </a:t>
+            </a:r>
+            <a:r>
+              <a:rPr lang="ko-KR" altLang="en-US" sz="1100" dirty="0" err="1" smtClean="0"/>
+              <a:t>이메일</a:t>
+            </a:r>
+            <a:r>
+              <a:rPr lang="ko-KR" altLang="en-US" sz="1100" dirty="0" smtClean="0"/>
+              <a:t> 인증을 통한 회원 가입</a:t>
+            </a:r>
+            <a:endParaRPr lang="en-US" altLang="ko-KR" sz="1100" dirty="0" smtClean="0"/>
+          </a:p>
+          <a:p>
+            <a:pPr algn="ctr"/>
+            <a:endParaRPr lang="en-US" altLang="ko-KR" sz="1100" dirty="0"/>
+          </a:p>
+          <a:p>
+            <a:pPr algn="ctr"/>
+            <a:endParaRPr lang="en-US" altLang="ko-KR" sz="1100" dirty="0" smtClean="0"/>
+          </a:p>
+          <a:p>
+            <a:pPr algn="ctr"/>
+            <a:endParaRPr lang="en-US" altLang="ko-KR" sz="1100" dirty="0"/>
+          </a:p>
+          <a:p>
+            <a:pPr algn="ctr"/>
+            <a:endParaRPr lang="en-US" altLang="ko-KR" sz="1100" dirty="0" smtClean="0"/>
+          </a:p>
+          <a:p>
+            <a:pPr algn="ctr"/>
+            <a:endParaRPr lang="en-US" altLang="ko-KR" sz="1100" dirty="0"/>
+          </a:p>
+          <a:p>
+            <a:pPr algn="ctr"/>
+            <a:endParaRPr lang="en-US" altLang="ko-KR" sz="1100" dirty="0" smtClean="0"/>
+          </a:p>
+          <a:p>
+            <a:pPr algn="ctr"/>
+            <a:r>
+              <a:rPr lang="ko-KR" altLang="en-US" sz="1100" dirty="0" smtClean="0"/>
+              <a:t>회원 관리</a:t>
+            </a:r>
+            <a:r>
+              <a:rPr lang="en-US" altLang="ko-KR" sz="1100" dirty="0" smtClean="0"/>
+              <a:t>-&gt; manager -&gt; </a:t>
+            </a:r>
+            <a:r>
+              <a:rPr lang="ko-KR" altLang="en-US" sz="1100" dirty="0" smtClean="0"/>
+              <a:t>권한</a:t>
+            </a:r>
+            <a:endParaRPr lang="en-US" altLang="ko-KR" sz="1100" dirty="0" smtClean="0"/>
+          </a:p>
+          <a:p>
+            <a:pPr algn="ctr"/>
+            <a:endParaRPr lang="en-US" altLang="ko-KR" sz="1100" dirty="0" smtClean="0"/>
+          </a:p>
+        </p:txBody>
+      </p:sp>
     </p:spTree>
     <p:extLst>
       <p:ext uri="{BB962C8B-B14F-4D97-AF65-F5344CB8AC3E}">
@@ -3733,12 +4269,42 @@
           <a:chExt cx="0" cy="0"/>
         </a:xfrm>
       </p:grpSpPr>
+    </p:spTree>
+    <p:extLst>
+      <p:ext uri="{BB962C8B-B14F-4D97-AF65-F5344CB8AC3E}">
+        <p14:creationId xmlns:p14="http://schemas.microsoft.com/office/powerpoint/2010/main" val="735236614"/>
+      </p:ext>
+    </p:extLst>
+  </p:cSld>
+  <p:clrMapOvr>
+    <a:masterClrMapping/>
+  </p:clrMapOvr>
+</p:sld>
+</file>
+
+<file path=ppt/slides/slide7.xml><?xml version="1.0" encoding="utf-8"?>
+<p:sld xmlns:a="http://schemas.openxmlformats.org/drawingml/2006/main" xmlns:r="http://schemas.openxmlformats.org/officeDocument/2006/relationships" xmlns:p="http://schemas.openxmlformats.org/presentationml/2006/main">
+  <p:cSld>
+    <p:spTree>
+      <p:nvGrpSpPr>
+        <p:cNvPr id="1" name=""/>
+        <p:cNvGrpSpPr/>
+        <p:nvPr/>
+      </p:nvGrpSpPr>
+      <p:grpSpPr>
+        <a:xfrm>
+          <a:off x="0" y="0"/>
+          <a:ext cx="0" cy="0"/>
+          <a:chOff x="0" y="0"/>
+          <a:chExt cx="0" cy="0"/>
+        </a:xfrm>
+      </p:grpSpPr>
       <p:pic>
         <p:nvPicPr>
           <p:cNvPr id="3" name="그림 2" descr="6">
             <a:extLst>
               <a:ext uri="{FF2B5EF4-FFF2-40B4-BE49-F238E27FC236}">
-                <a16:creationId xmlns:a16="http://schemas.microsoft.com/office/drawing/2014/main" id="{72786C1A-5DC3-29BE-B9ED-1F1258E786C8}"/>
+                <a16:creationId xmlns:a16="http://schemas.microsoft.com/office/drawing/2014/main" xmlns="" id="{72786C1A-5DC3-29BE-B9ED-1F1258E786C8}"/>
               </a:ext>
             </a:extLst>
           </p:cNvPr>
@@ -3748,7 +4314,7 @@
           <p:nvPr isPhoto="1"/>
         </p:nvPicPr>
         <p:blipFill>
-          <a:blip r:embed="rId2">
+          <a:blip r:embed="rId2" cstate="print">
             <a:lum/>
             <a:extLst>
               <a:ext uri="{28A0092B-C50C-407E-A947-70E740481C1C}">
@@ -3783,7 +4349,7 @@
 </p:sld>
 </file>
 
-<file path=ppt/slides/slide7.xml><?xml version="1.0" encoding="utf-8"?>
+<file path=ppt/slides/slide8.xml><?xml version="1.0" encoding="utf-8"?>
 <p:sld xmlns:a="http://schemas.openxmlformats.org/drawingml/2006/main" xmlns:r="http://schemas.openxmlformats.org/officeDocument/2006/relationships" xmlns:p="http://schemas.openxmlformats.org/presentationml/2006/main">
   <p:cSld>
     <p:spTree>
@@ -3805,7 +4371,7 @@
           <p:cNvPr id="3" name="그림 2" descr="app1">
             <a:extLst>
               <a:ext uri="{FF2B5EF4-FFF2-40B4-BE49-F238E27FC236}">
-                <a16:creationId xmlns:a16="http://schemas.microsoft.com/office/drawing/2014/main" id="{45360989-9F1C-17BB-00C6-7118DC673894}"/>
+                <a16:creationId xmlns:a16="http://schemas.microsoft.com/office/drawing/2014/main" xmlns="" id="{45360989-9F1C-17BB-00C6-7118DC673894}"/>
               </a:ext>
             </a:extLst>
           </p:cNvPr>
@@ -3815,7 +4381,7 @@
           <p:nvPr isPhoto="1"/>
         </p:nvPicPr>
         <p:blipFill>
-          <a:blip r:embed="rId2">
+          <a:blip r:embed="rId2" cstate="print">
             <a:lum/>
             <a:extLst>
               <a:ext uri="{28A0092B-C50C-407E-A947-70E740481C1C}">
@@ -3850,7 +4416,7 @@
 </p:sld>
 </file>
 
-<file path=ppt/slides/slide8.xml><?xml version="1.0" encoding="utf-8"?>
+<file path=ppt/slides/slide9.xml><?xml version="1.0" encoding="utf-8"?>
 <p:sld xmlns:a="http://schemas.openxmlformats.org/drawingml/2006/main" xmlns:r="http://schemas.openxmlformats.org/officeDocument/2006/relationships" xmlns:p="http://schemas.openxmlformats.org/presentationml/2006/main">
   <p:cSld>
     <p:spTree>
@@ -3872,7 +4438,7 @@
           <p:cNvPr id="3" name="그림 2" descr="app2">
             <a:extLst>
               <a:ext uri="{FF2B5EF4-FFF2-40B4-BE49-F238E27FC236}">
-                <a16:creationId xmlns:a16="http://schemas.microsoft.com/office/drawing/2014/main" id="{2109EE0D-C2BB-6D96-203F-975AF8CB91AD}"/>
+                <a16:creationId xmlns:a16="http://schemas.microsoft.com/office/drawing/2014/main" xmlns="" id="{2109EE0D-C2BB-6D96-203F-975AF8CB91AD}"/>
               </a:ext>
             </a:extLst>
           </p:cNvPr>
@@ -3882,7 +4448,7 @@
           <p:nvPr isPhoto="1"/>
         </p:nvPicPr>
         <p:blipFill>
-          <a:blip r:embed="rId2">
+          <a:blip r:embed="rId2" cstate="print">
             <a:lum/>
             <a:extLst>
               <a:ext uri="{28A0092B-C50C-407E-A947-70E740481C1C}">
@@ -3908,73 +4474,6 @@
     <p:extLst>
       <p:ext uri="{BB962C8B-B14F-4D97-AF65-F5344CB8AC3E}">
         <p14:creationId xmlns:p14="http://schemas.microsoft.com/office/powerpoint/2010/main" val="4018364261"/>
-      </p:ext>
-    </p:extLst>
-  </p:cSld>
-  <p:clrMapOvr>
-    <a:masterClrMapping/>
-  </p:clrMapOvr>
-</p:sld>
-</file>
-
-<file path=ppt/slides/slide9.xml><?xml version="1.0" encoding="utf-8"?>
-<p:sld xmlns:a="http://schemas.openxmlformats.org/drawingml/2006/main" xmlns:r="http://schemas.openxmlformats.org/officeDocument/2006/relationships" xmlns:p="http://schemas.openxmlformats.org/presentationml/2006/main">
-  <p:cSld>
-    <p:spTree>
-      <p:nvGrpSpPr>
-        <p:cNvPr id="1" name=""/>
-        <p:cNvGrpSpPr/>
-        <p:nvPr/>
-      </p:nvGrpSpPr>
-      <p:grpSpPr>
-        <a:xfrm>
-          <a:off x="0" y="0"/>
-          <a:ext cx="0" cy="0"/>
-          <a:chOff x="0" y="0"/>
-          <a:chExt cx="0" cy="0"/>
-        </a:xfrm>
-      </p:grpSpPr>
-      <p:pic>
-        <p:nvPicPr>
-          <p:cNvPr id="3" name="그림 2" descr="app3">
-            <a:extLst>
-              <a:ext uri="{FF2B5EF4-FFF2-40B4-BE49-F238E27FC236}">
-                <a16:creationId xmlns:a16="http://schemas.microsoft.com/office/drawing/2014/main" id="{17D5E037-97B5-05DC-EB61-B564B6445559}"/>
-              </a:ext>
-            </a:extLst>
-          </p:cNvPr>
-          <p:cNvPicPr>
-            <a:picLocks noGrp="1" noChangeAspect="1"/>
-          </p:cNvPicPr>
-          <p:nvPr isPhoto="1"/>
-        </p:nvPicPr>
-        <p:blipFill>
-          <a:blip r:embed="rId2">
-            <a:lum/>
-            <a:extLst>
-              <a:ext uri="{28A0092B-C50C-407E-A947-70E740481C1C}">
-                <a14:useLocalDpi xmlns:a14="http://schemas.microsoft.com/office/drawing/2010/main" val="0"/>
-              </a:ext>
-            </a:extLst>
-          </a:blip>
-          <a:stretch>
-            <a:fillRect/>
-          </a:stretch>
-        </p:blipFill>
-        <p:spPr>
-          <a:xfrm>
-            <a:off x="4510088" y="0"/>
-            <a:ext cx="3170237" cy="6858000"/>
-          </a:xfrm>
-          <a:prstGeom prst="rect">
-            <a:avLst/>
-          </a:prstGeom>
-        </p:spPr>
-      </p:pic>
-    </p:spTree>
-    <p:extLst>
-      <p:ext uri="{BB962C8B-B14F-4D97-AF65-F5344CB8AC3E}">
-        <p14:creationId xmlns:p14="http://schemas.microsoft.com/office/powerpoint/2010/main" val="3902898187"/>
       </p:ext>
     </p:extLst>
   </p:cSld>
